--- a/Week5_CloudThreats/BachmeierNTIM7030-5.pptx
+++ b/Week5_CloudThreats/BachmeierNTIM7030-5.pptx
@@ -767,6 +767,12 @@
               <a:t>Has the exact opposite requirement where the system wants to have a trusted base system that anyone can read.  These scenarios appear frequently with sensors where no risk exists for reading the clock, but manipulating the shared resource would be disastrous. </a:t>
             </a:r>
           </a:p>
+          <a:p>
+            <a:endParaRPr lang="en-US" dirty="0"/>
+          </a:p>
+          <a:p>
+            <a:endParaRPr lang="en-US" dirty="0"/>
+          </a:p>
         </p:txBody>
       </p:sp>
       <p:sp>
@@ -806,6 +812,199 @@
 </file>
 
 <file path=ppt/notesSlides/notesSlide4.xml><?xml version="1.0" encoding="utf-8"?>
+<p:notes xmlns:a="http://schemas.openxmlformats.org/drawingml/2006/main" xmlns:r="http://schemas.openxmlformats.org/officeDocument/2006/relationships" xmlns:p="http://schemas.openxmlformats.org/presentationml/2006/main">
+  <p:cSld>
+    <p:spTree>
+      <p:nvGrpSpPr>
+        <p:cNvPr id="1" name=""/>
+        <p:cNvGrpSpPr/>
+        <p:nvPr/>
+      </p:nvGrpSpPr>
+      <p:grpSpPr>
+        <a:xfrm>
+          <a:off x="0" y="0"/>
+          <a:ext cx="0" cy="0"/>
+          <a:chOff x="0" y="0"/>
+          <a:chExt cx="0" cy="0"/>
+        </a:xfrm>
+      </p:grpSpPr>
+      <p:sp>
+        <p:nvSpPr>
+          <p:cNvPr id="2" name="Slide Image Placeholder 1"/>
+          <p:cNvSpPr>
+            <a:spLocks noGrp="1" noRot="1" noChangeAspect="1"/>
+          </p:cNvSpPr>
+          <p:nvPr>
+            <p:ph type="sldImg"/>
+          </p:nvPr>
+        </p:nvSpPr>
+        <p:spPr/>
+      </p:sp>
+      <p:sp>
+        <p:nvSpPr>
+          <p:cNvPr id="3" name="Notes Placeholder 2"/>
+          <p:cNvSpPr>
+            <a:spLocks noGrp="1"/>
+          </p:cNvSpPr>
+          <p:nvPr>
+            <p:ph type="body" idx="1"/>
+          </p:nvPr>
+        </p:nvSpPr>
+        <p:spPr/>
+        <p:txBody>
+          <a:bodyPr/>
+          <a:lstStyle/>
+          <a:p>
+            <a:r>
+              <a:rPr lang="en-US" dirty="0"/>
+              <a:t>BLP and Biba show the duality of integrity and confidentiality in system controls.  However, many applications need both characteristics and at variable levels of enforcement.</a:t>
+            </a:r>
+          </a:p>
+          <a:p>
+            <a:endParaRPr lang="en-US" dirty="0"/>
+          </a:p>
+          <a:p>
+            <a:r>
+              <a:rPr lang="en-US" dirty="0"/>
+              <a:t>For instance, modern operating systems have different rings of trust for user and kernel mode applications.  Some kernel structures are highly sensitive and must be hidden, while others are more like the clock.</a:t>
+            </a:r>
+          </a:p>
+          <a:p>
+            <a:endParaRPr lang="en-US" dirty="0"/>
+          </a:p>
+          <a:p>
+            <a:r>
+              <a:rPr lang="en-US" dirty="0" err="1"/>
+              <a:t>Lipner</a:t>
+            </a:r>
+            <a:r>
+              <a:rPr lang="en-US" dirty="0"/>
+              <a:t> understood that commercial applications would need both, so he formalized a model that works in multi-tenant environments.  Another advantage of this system is that it can hand application faults because it has mitigations against programming faults and other negligence scenarios. </a:t>
+            </a:r>
+          </a:p>
+        </p:txBody>
+      </p:sp>
+      <p:sp>
+        <p:nvSpPr>
+          <p:cNvPr id="4" name="Slide Number Placeholder 3"/>
+          <p:cNvSpPr>
+            <a:spLocks noGrp="1"/>
+          </p:cNvSpPr>
+          <p:nvPr>
+            <p:ph type="sldNum" sz="quarter" idx="5"/>
+          </p:nvPr>
+        </p:nvSpPr>
+        <p:spPr/>
+        <p:txBody>
+          <a:bodyPr/>
+          <a:lstStyle/>
+          <a:p>
+            <a:fld id="{9AE30F96-48B2-43DE-9D6B-89654F921E8A}" type="slidenum">
+              <a:rPr lang="en-US" smtClean="0"/>
+              <a:t>6</a:t>
+            </a:fld>
+            <a:endParaRPr lang="en-US"/>
+          </a:p>
+        </p:txBody>
+      </p:sp>
+    </p:spTree>
+    <p:extLst>
+      <p:ext uri="{BB962C8B-B14F-4D97-AF65-F5344CB8AC3E}">
+        <p14:creationId xmlns:p14="http://schemas.microsoft.com/office/powerpoint/2010/main" val="49056508"/>
+      </p:ext>
+    </p:extLst>
+  </p:cSld>
+  <p:clrMapOvr>
+    <a:masterClrMapping/>
+  </p:clrMapOvr>
+</p:notes>
+</file>
+
+<file path=ppt/notesSlides/notesSlide5.xml><?xml version="1.0" encoding="utf-8"?>
+<p:notes xmlns:a="http://schemas.openxmlformats.org/drawingml/2006/main" xmlns:r="http://schemas.openxmlformats.org/officeDocument/2006/relationships" xmlns:p="http://schemas.openxmlformats.org/presentationml/2006/main">
+  <p:cSld>
+    <p:spTree>
+      <p:nvGrpSpPr>
+        <p:cNvPr id="1" name=""/>
+        <p:cNvGrpSpPr/>
+        <p:nvPr/>
+      </p:nvGrpSpPr>
+      <p:grpSpPr>
+        <a:xfrm>
+          <a:off x="0" y="0"/>
+          <a:ext cx="0" cy="0"/>
+          <a:chOff x="0" y="0"/>
+          <a:chExt cx="0" cy="0"/>
+        </a:xfrm>
+      </p:grpSpPr>
+      <p:sp>
+        <p:nvSpPr>
+          <p:cNvPr id="2" name="Slide Image Placeholder 1"/>
+          <p:cNvSpPr>
+            <a:spLocks noGrp="1" noRot="1" noChangeAspect="1"/>
+          </p:cNvSpPr>
+          <p:nvPr>
+            <p:ph type="sldImg"/>
+          </p:nvPr>
+        </p:nvSpPr>
+        <p:spPr/>
+      </p:sp>
+      <p:sp>
+        <p:nvSpPr>
+          <p:cNvPr id="3" name="Notes Placeholder 2"/>
+          <p:cNvSpPr>
+            <a:spLocks noGrp="1"/>
+          </p:cNvSpPr>
+          <p:nvPr>
+            <p:ph type="body" idx="1"/>
+          </p:nvPr>
+        </p:nvSpPr>
+        <p:spPr/>
+        <p:txBody>
+          <a:bodyPr/>
+          <a:lstStyle/>
+          <a:p>
+            <a:endParaRPr lang="en-US"/>
+          </a:p>
+        </p:txBody>
+      </p:sp>
+      <p:sp>
+        <p:nvSpPr>
+          <p:cNvPr id="4" name="Slide Number Placeholder 3"/>
+          <p:cNvSpPr>
+            <a:spLocks noGrp="1"/>
+          </p:cNvSpPr>
+          <p:nvPr>
+            <p:ph type="sldNum" sz="quarter" idx="5"/>
+          </p:nvPr>
+        </p:nvSpPr>
+        <p:spPr/>
+        <p:txBody>
+          <a:bodyPr/>
+          <a:lstStyle/>
+          <a:p>
+            <a:fld id="{9AE30F96-48B2-43DE-9D6B-89654F921E8A}" type="slidenum">
+              <a:rPr lang="en-US" smtClean="0"/>
+              <a:t>7</a:t>
+            </a:fld>
+            <a:endParaRPr lang="en-US"/>
+          </a:p>
+        </p:txBody>
+      </p:sp>
+    </p:spTree>
+    <p:extLst>
+      <p:ext uri="{BB962C8B-B14F-4D97-AF65-F5344CB8AC3E}">
+        <p14:creationId xmlns:p14="http://schemas.microsoft.com/office/powerpoint/2010/main" val="3083393873"/>
+      </p:ext>
+    </p:extLst>
+  </p:cSld>
+  <p:clrMapOvr>
+    <a:masterClrMapping/>
+  </p:clrMapOvr>
+</p:notes>
+</file>
+
+<file path=ppt/notesSlides/notesSlide6.xml><?xml version="1.0" encoding="utf-8"?>
 <p:notes xmlns:a="http://schemas.openxmlformats.org/drawingml/2006/main" xmlns:r="http://schemas.openxmlformats.org/officeDocument/2006/relationships" xmlns:p="http://schemas.openxmlformats.org/presentationml/2006/main">
   <p:cSld>
     <p:spTree>
@@ -11636,13 +11835,15 @@
             <a:pPr lvl="1"/>
             <a:r>
               <a:rPr lang="en-US" dirty="0"/>
-              <a:t>UNIX-like </a:t>
-            </a:r>
-            <a:r>
-              <a:rPr lang="en-US"/>
-              <a:t>permission systems</a:t>
-            </a:r>
-            <a:endParaRPr lang="en-US" dirty="0"/>
+              <a:t>UNIX-like permission systems</a:t>
+            </a:r>
+          </a:p>
+          <a:p>
+            <a:pPr lvl="1"/>
+            <a:r>
+              <a:rPr lang="en-US" dirty="0"/>
+              <a:t>User / Kernel separation</a:t>
+            </a:r>
           </a:p>
         </p:txBody>
       </p:sp>

--- a/Week5_CloudThreats/BachmeierNTIM7030-5.pptx
+++ b/Week5_CloudThreats/BachmeierNTIM7030-5.pptx
@@ -964,7 +964,19 @@
           <a:bodyPr/>
           <a:lstStyle/>
           <a:p>
-            <a:endParaRPr lang="en-US"/>
+            <a:r>
+              <a:rPr lang="en-US" dirty="0"/>
+              <a:t>For decades prior, data management systems could prevent corruption scenarios by parity bits and similar strategies.  However, there was weak controls against ensuring that the user can update a specific row in the table.  Clark-Wilson formalized these concepts to protect against both erroneous behavior and malicious intent.</a:t>
+            </a:r>
+          </a:p>
+          <a:p>
+            <a:endParaRPr lang="en-US" dirty="0"/>
+          </a:p>
+          <a:p>
+            <a:r>
+              <a:rPr lang="en-US" dirty="0"/>
+              <a:t>Another contribution comes from separating certification from enforcement – as this allows separation of duties between subsystems, resulting in more extensible and scalable systems.</a:t>
+            </a:r>
           </a:p>
         </p:txBody>
       </p:sp>
@@ -1005,6 +1017,215 @@
 </file>
 
 <file path=ppt/notesSlides/notesSlide6.xml><?xml version="1.0" encoding="utf-8"?>
+<p:notes xmlns:a="http://schemas.openxmlformats.org/drawingml/2006/main" xmlns:r="http://schemas.openxmlformats.org/officeDocument/2006/relationships" xmlns:p="http://schemas.openxmlformats.org/presentationml/2006/main">
+  <p:cSld>
+    <p:spTree>
+      <p:nvGrpSpPr>
+        <p:cNvPr id="1" name=""/>
+        <p:cNvGrpSpPr/>
+        <p:nvPr/>
+      </p:nvGrpSpPr>
+      <p:grpSpPr>
+        <a:xfrm>
+          <a:off x="0" y="0"/>
+          <a:ext cx="0" cy="0"/>
+          <a:chOff x="0" y="0"/>
+          <a:chExt cx="0" cy="0"/>
+        </a:xfrm>
+      </p:grpSpPr>
+      <p:sp>
+        <p:nvSpPr>
+          <p:cNvPr id="2" name="Slide Image Placeholder 1"/>
+          <p:cNvSpPr>
+            <a:spLocks noGrp="1" noRot="1" noChangeAspect="1"/>
+          </p:cNvSpPr>
+          <p:nvPr>
+            <p:ph type="sldImg"/>
+          </p:nvPr>
+        </p:nvSpPr>
+        <p:spPr/>
+      </p:sp>
+      <p:sp>
+        <p:nvSpPr>
+          <p:cNvPr id="3" name="Notes Placeholder 2"/>
+          <p:cNvSpPr>
+            <a:spLocks noGrp="1"/>
+          </p:cNvSpPr>
+          <p:nvPr>
+            <p:ph type="body" idx="1"/>
+          </p:nvPr>
+        </p:nvSpPr>
+        <p:spPr/>
+        <p:txBody>
+          <a:bodyPr/>
+          <a:lstStyle/>
+          <a:p>
+            <a:r>
+              <a:rPr lang="en-US" dirty="0"/>
+              <a:t>In many situations there’s a need for limiting conflicts of interest, such as a lawyer cannot represent both parties in the same lawsuit.  Another scenario might involve quota systems, which allow e.g., the user to access </a:t>
+            </a:r>
+            <a:r>
+              <a:rPr lang="en-US" i="1" dirty="0"/>
+              <a:t>any single</a:t>
+            </a:r>
+            <a:r>
+              <a:rPr lang="en-US" i="0" dirty="0"/>
+              <a:t> virtual machine but not a specific instance.  These setups allow the flexibility of the subject to make the best personal choice without impacting others within the ecosystem.</a:t>
+            </a:r>
+          </a:p>
+          <a:p>
+            <a:endParaRPr lang="en-US" i="0" dirty="0"/>
+          </a:p>
+          <a:p>
+            <a:r>
+              <a:rPr lang="en-US" i="0" dirty="0"/>
+              <a:t> </a:t>
+            </a:r>
+            <a:endParaRPr lang="en-US" dirty="0"/>
+          </a:p>
+        </p:txBody>
+      </p:sp>
+      <p:sp>
+        <p:nvSpPr>
+          <p:cNvPr id="4" name="Slide Number Placeholder 3"/>
+          <p:cNvSpPr>
+            <a:spLocks noGrp="1"/>
+          </p:cNvSpPr>
+          <p:nvPr>
+            <p:ph type="sldNum" sz="quarter" idx="5"/>
+          </p:nvPr>
+        </p:nvSpPr>
+        <p:spPr/>
+        <p:txBody>
+          <a:bodyPr/>
+          <a:lstStyle/>
+          <a:p>
+            <a:fld id="{9AE30F96-48B2-43DE-9D6B-89654F921E8A}" type="slidenum">
+              <a:rPr lang="en-US" smtClean="0"/>
+              <a:t>8</a:t>
+            </a:fld>
+            <a:endParaRPr lang="en-US"/>
+          </a:p>
+        </p:txBody>
+      </p:sp>
+    </p:spTree>
+    <p:extLst>
+      <p:ext uri="{BB962C8B-B14F-4D97-AF65-F5344CB8AC3E}">
+        <p14:creationId xmlns:p14="http://schemas.microsoft.com/office/powerpoint/2010/main" val="2643232451"/>
+      </p:ext>
+    </p:extLst>
+  </p:cSld>
+  <p:clrMapOvr>
+    <a:masterClrMapping/>
+  </p:clrMapOvr>
+</p:notes>
+</file>
+
+<file path=ppt/notesSlides/notesSlide7.xml><?xml version="1.0" encoding="utf-8"?>
+<p:notes xmlns:a="http://schemas.openxmlformats.org/drawingml/2006/main" xmlns:r="http://schemas.openxmlformats.org/officeDocument/2006/relationships" xmlns:p="http://schemas.openxmlformats.org/presentationml/2006/main">
+  <p:cSld>
+    <p:spTree>
+      <p:nvGrpSpPr>
+        <p:cNvPr id="1" name=""/>
+        <p:cNvGrpSpPr/>
+        <p:nvPr/>
+      </p:nvGrpSpPr>
+      <p:grpSpPr>
+        <a:xfrm>
+          <a:off x="0" y="0"/>
+          <a:ext cx="0" cy="0"/>
+          <a:chOff x="0" y="0"/>
+          <a:chExt cx="0" cy="0"/>
+        </a:xfrm>
+      </p:grpSpPr>
+      <p:sp>
+        <p:nvSpPr>
+          <p:cNvPr id="2" name="Slide Image Placeholder 1"/>
+          <p:cNvSpPr>
+            <a:spLocks noGrp="1" noRot="1" noChangeAspect="1"/>
+          </p:cNvSpPr>
+          <p:nvPr>
+            <p:ph type="sldImg"/>
+          </p:nvPr>
+        </p:nvSpPr>
+        <p:spPr/>
+      </p:sp>
+      <p:sp>
+        <p:nvSpPr>
+          <p:cNvPr id="3" name="Notes Placeholder 2"/>
+          <p:cNvSpPr>
+            <a:spLocks noGrp="1"/>
+          </p:cNvSpPr>
+          <p:nvPr>
+            <p:ph type="body" idx="1"/>
+          </p:nvPr>
+        </p:nvSpPr>
+        <p:spPr/>
+        <p:txBody>
+          <a:bodyPr/>
+          <a:lstStyle/>
+          <a:p>
+            <a:r>
+              <a:rPr lang="en-US" dirty="0"/>
+              <a:t>There are scenarios where two or more processes execute under the identity of a given user, but still need isolation from each other.  For example, web browsers need to allow the user to look at various website without malicious content corrupting the user state.</a:t>
+            </a:r>
+          </a:p>
+          <a:p>
+            <a:endParaRPr lang="en-US" dirty="0"/>
+          </a:p>
+          <a:p>
+            <a:r>
+              <a:rPr lang="en-US" dirty="0"/>
+              <a:t>Other domains can exist such as master/slave process relationships as a mechanism of preventing </a:t>
+            </a:r>
+            <a:r>
+              <a:rPr lang="en-US"/>
+              <a:t>erroneous application faults</a:t>
+            </a:r>
+            <a:r>
+              <a:rPr lang="en-US" dirty="0"/>
+              <a:t>.</a:t>
+            </a:r>
+          </a:p>
+        </p:txBody>
+      </p:sp>
+      <p:sp>
+        <p:nvSpPr>
+          <p:cNvPr id="4" name="Slide Number Placeholder 3"/>
+          <p:cNvSpPr>
+            <a:spLocks noGrp="1"/>
+          </p:cNvSpPr>
+          <p:nvPr>
+            <p:ph type="sldNum" sz="quarter" idx="5"/>
+          </p:nvPr>
+        </p:nvSpPr>
+        <p:spPr/>
+        <p:txBody>
+          <a:bodyPr/>
+          <a:lstStyle/>
+          <a:p>
+            <a:fld id="{9AE30F96-48B2-43DE-9D6B-89654F921E8A}" type="slidenum">
+              <a:rPr lang="en-US" smtClean="0"/>
+              <a:t>9</a:t>
+            </a:fld>
+            <a:endParaRPr lang="en-US"/>
+          </a:p>
+        </p:txBody>
+      </p:sp>
+    </p:spTree>
+    <p:extLst>
+      <p:ext uri="{BB962C8B-B14F-4D97-AF65-F5344CB8AC3E}">
+        <p14:creationId xmlns:p14="http://schemas.microsoft.com/office/powerpoint/2010/main" val="2639803115"/>
+      </p:ext>
+    </p:extLst>
+  </p:cSld>
+  <p:clrMapOvr>
+    <a:masterClrMapping/>
+  </p:clrMapOvr>
+</p:notes>
+</file>
+
+<file path=ppt/notesSlides/notesSlide8.xml><?xml version="1.0" encoding="utf-8"?>
 <p:notes xmlns:a="http://schemas.openxmlformats.org/drawingml/2006/main" xmlns:r="http://schemas.openxmlformats.org/officeDocument/2006/relationships" xmlns:p="http://schemas.openxmlformats.org/presentationml/2006/main">
   <p:cSld>
     <p:spTree>
@@ -11926,7 +12147,47 @@
           <a:bodyPr/>
           <a:lstStyle/>
           <a:p>
-            <a:endParaRPr lang="en-US"/>
+            <a:r>
+              <a:rPr lang="en-US" dirty="0"/>
+              <a:t>Formalizes notion of information integrity</a:t>
+            </a:r>
+            <a:br>
+              <a:rPr lang="en-US" dirty="0"/>
+            </a:br>
+            <a:endParaRPr lang="en-US" dirty="0"/>
+          </a:p>
+          <a:p>
+            <a:r>
+              <a:rPr lang="en-US" dirty="0"/>
+              <a:t>Delineates certification and enforcement rules</a:t>
+            </a:r>
+            <a:br>
+              <a:rPr lang="en-US" dirty="0"/>
+            </a:br>
+            <a:endParaRPr lang="en-US" dirty="0"/>
+          </a:p>
+          <a:p>
+            <a:r>
+              <a:rPr lang="en-US" dirty="0"/>
+              <a:t>Prevents against corruption from fault or maliciousness</a:t>
+            </a:r>
+            <a:br>
+              <a:rPr lang="en-US" dirty="0"/>
+            </a:br>
+            <a:endParaRPr lang="en-US" dirty="0"/>
+          </a:p>
+          <a:p>
+            <a:r>
+              <a:rPr lang="en-US" dirty="0"/>
+              <a:t>Use cases</a:t>
+            </a:r>
+          </a:p>
+          <a:p>
+            <a:pPr lvl="1"/>
+            <a:r>
+              <a:rPr lang="en-US" dirty="0"/>
+              <a:t>Data management systems</a:t>
+            </a:r>
           </a:p>
         </p:txBody>
       </p:sp>
@@ -12009,7 +12270,37 @@
           <a:bodyPr/>
           <a:lstStyle/>
           <a:p>
-            <a:endParaRPr lang="en-US"/>
+            <a:r>
+              <a:rPr lang="en-US" dirty="0"/>
+              <a:t>Protects against conflicts of interest</a:t>
+            </a:r>
+            <a:br>
+              <a:rPr lang="en-US" dirty="0"/>
+            </a:br>
+            <a:endParaRPr lang="en-US" dirty="0"/>
+          </a:p>
+          <a:p>
+            <a:r>
+              <a:rPr lang="en-US" dirty="0"/>
+              <a:t>Subject can access at-most-one from a given set</a:t>
+            </a:r>
+            <a:br>
+              <a:rPr lang="en-US" dirty="0"/>
+            </a:br>
+            <a:endParaRPr lang="en-US" dirty="0"/>
+          </a:p>
+          <a:p>
+            <a:r>
+              <a:rPr lang="en-US" dirty="0"/>
+              <a:t>Use cases</a:t>
+            </a:r>
+          </a:p>
+          <a:p>
+            <a:pPr lvl="1"/>
+            <a:r>
+              <a:rPr lang="en-US" dirty="0"/>
+              <a:t>Quota systems (check-out any single machine)</a:t>
+            </a:r>
           </a:p>
         </p:txBody>
       </p:sp>
@@ -12092,7 +12383,40 @@
           <a:bodyPr/>
           <a:lstStyle/>
           <a:p>
-            <a:endParaRPr lang="en-US"/>
+            <a:r>
+              <a:rPr lang="en-US" dirty="0"/>
+              <a:t>Builds on previous ACL models</a:t>
+            </a:r>
+            <a:br>
+              <a:rPr lang="en-US" dirty="0"/>
+            </a:br>
+            <a:endParaRPr lang="en-US" dirty="0"/>
+          </a:p>
+          <a:p>
+            <a:r>
+              <a:rPr lang="en-US" dirty="0"/>
+              <a:t>Uses the tuple { subject, domain } </a:t>
+            </a:r>
+            <a:br>
+              <a:rPr lang="en-US" dirty="0"/>
+            </a:br>
+            <a:endParaRPr lang="en-US" dirty="0"/>
+          </a:p>
+          <a:p>
+            <a:r>
+              <a:rPr lang="en-US" dirty="0"/>
+              <a:t>Use cases</a:t>
+            </a:r>
+          </a:p>
+          <a:p>
+            <a:pPr lvl="1"/>
+            <a:r>
+              <a:rPr lang="en-US" dirty="0"/>
+              <a:t>Web browser and process isolation</a:t>
+            </a:r>
+          </a:p>
+          <a:p>
+            <a:endParaRPr lang="en-US" dirty="0"/>
           </a:p>
         </p:txBody>
       </p:sp>

--- a/Week5_CloudThreats/BachmeierNTIM7030-5.pptx
+++ b/Week5_CloudThreats/BachmeierNTIM7030-5.pptx
@@ -1079,7 +1079,13 @@
           <a:p>
             <a:r>
               <a:rPr lang="en-US" i="0" dirty="0"/>
-              <a:t> </a:t>
+              <a:t> Image from: </a:t>
+            </a:r>
+            <a:r>
+              <a:rPr lang="en-US" dirty="0">
+                <a:hlinkClick r:id="rId3"/>
+              </a:rPr>
+              <a:t>http://www.personal.psu.edu/staff/g/m/gms/sp09/456/chinese-wall.jpg</a:t>
             </a:r>
             <a:endParaRPr lang="en-US" dirty="0"/>
           </a:p>
@@ -1176,15 +1182,7 @@
           <a:p>
             <a:r>
               <a:rPr lang="en-US" dirty="0"/>
-              <a:t>Other domains can exist such as master/slave process relationships as a mechanism of preventing </a:t>
-            </a:r>
-            <a:r>
-              <a:rPr lang="en-US"/>
-              <a:t>erroneous application faults</a:t>
-            </a:r>
-            <a:r>
-              <a:rPr lang="en-US" dirty="0"/>
-              <a:t>.</a:t>
+              <a:t>Other domains can exist such as master/slave process relationships as a mechanism of preventing erroneous application faults.</a:t>
             </a:r>
           </a:p>
         </p:txBody>
@@ -11697,14 +11695,14 @@
             <p:ph idx="1"/>
             <p:extLst>
               <p:ext uri="{D42A27DB-BD31-4B8C-83A1-F6EECF244321}">
-                <p14:modId xmlns:p14="http://schemas.microsoft.com/office/powerpoint/2010/main" val="3759491823"/>
+                <p14:modId xmlns:p14="http://schemas.microsoft.com/office/powerpoint/2010/main" val="1992191391"/>
               </p:ext>
             </p:extLst>
           </p:nvPr>
         </p:nvGraphicFramePr>
         <p:xfrm>
-          <a:off x="2589212" y="3038946"/>
-          <a:ext cx="8915400" cy="1651000"/>
+          <a:off x="2326661" y="1905000"/>
+          <a:ext cx="5459320" cy="4559175"/>
         </p:xfrm>
         <a:graphic>
           <a:graphicData uri="http://schemas.openxmlformats.org/drawingml/2006/table">
@@ -11713,28 +11711,28 @@
                 <a:tableStyleId>{5C22544A-7EE6-4342-B048-85BDC9FD1C3A}</a:tableStyleId>
               </a:tblPr>
               <a:tblGrid>
-                <a:gridCol w="2228850">
+                <a:gridCol w="941640">
                   <a:extLst>
                     <a:ext uri="{9D8B030D-6E8A-4147-A177-3AD203B41FA5}">
                       <a16:colId xmlns:a16="http://schemas.microsoft.com/office/drawing/2014/main" val="3390088916"/>
                     </a:ext>
                   </a:extLst>
                 </a:gridCol>
-                <a:gridCol w="2228850">
+                <a:gridCol w="1928388">
                   <a:extLst>
                     <a:ext uri="{9D8B030D-6E8A-4147-A177-3AD203B41FA5}">
                       <a16:colId xmlns:a16="http://schemas.microsoft.com/office/drawing/2014/main" val="2594932491"/>
                     </a:ext>
                   </a:extLst>
                 </a:gridCol>
-                <a:gridCol w="2228850">
+                <a:gridCol w="1638677">
                   <a:extLst>
                     <a:ext uri="{9D8B030D-6E8A-4147-A177-3AD203B41FA5}">
                       <a16:colId xmlns:a16="http://schemas.microsoft.com/office/drawing/2014/main" val="2505244787"/>
                     </a:ext>
                   </a:extLst>
                 </a:gridCol>
-                <a:gridCol w="2228850">
+                <a:gridCol w="950615">
                   <a:extLst>
                     <a:ext uri="{9D8B030D-6E8A-4147-A177-3AD203B41FA5}">
                       <a16:colId xmlns:a16="http://schemas.microsoft.com/office/drawing/2014/main" val="437000782"/>
@@ -11742,7 +11740,7 @@
                   </a:extLst>
                 </a:gridCol>
               </a:tblGrid>
-              <a:tr h="370840">
+              <a:tr h="1024061">
                 <a:tc>
                   <a:txBody>
                     <a:bodyPr/>
@@ -11801,7 +11799,7 @@
                   </a:ext>
                 </a:extLst>
               </a:tr>
-              <a:tr h="370840">
+              <a:tr h="1767557">
                 <a:tc>
                   <a:txBody>
                     <a:bodyPr/>
@@ -11860,7 +11858,7 @@
                   </a:ext>
                 </a:extLst>
               </a:tr>
-              <a:tr h="370840">
+              <a:tr h="1767557">
                 <a:tc>
                   <a:txBody>
                     <a:bodyPr/>
@@ -11906,9 +11904,10 @@
                     <a:lstStyle/>
                     <a:p>
                       <a:r>
-                        <a:rPr lang="en-US" dirty="0"/>
-                        <a:t>Clocks, GPS</a:t>
+                        <a:rPr lang="en-US" dirty="0" err="1"/>
+                        <a:t>ClocksGPS</a:t>
                       </a:r>
+                      <a:endParaRPr lang="en-US" dirty="0"/>
                     </a:p>
                   </a:txBody>
                   <a:tcPr/>
@@ -11923,6 +11922,36 @@
           </a:graphicData>
         </a:graphic>
       </p:graphicFrame>
+      <p:pic>
+        <p:nvPicPr>
+          <p:cNvPr id="7" name="Picture 6">
+            <a:extLst>
+              <a:ext uri="{FF2B5EF4-FFF2-40B4-BE49-F238E27FC236}">
+                <a16:creationId xmlns:a16="http://schemas.microsoft.com/office/drawing/2014/main" id="{A6889AEF-E9D1-4ACC-B8FD-045B86BAF64A}"/>
+              </a:ext>
+            </a:extLst>
+          </p:cNvPr>
+          <p:cNvPicPr>
+            <a:picLocks noChangeAspect="1"/>
+          </p:cNvPicPr>
+          <p:nvPr/>
+        </p:nvPicPr>
+        <p:blipFill>
+          <a:blip r:embed="rId3"/>
+          <a:stretch>
+            <a:fillRect/>
+          </a:stretch>
+        </p:blipFill>
+        <p:spPr>
+          <a:xfrm>
+            <a:off x="8411565" y="2204849"/>
+            <a:ext cx="3339724" cy="3145750"/>
+          </a:xfrm>
+          <a:prstGeom prst="rect">
+            <a:avLst/>
+          </a:prstGeom>
+        </p:spPr>
+      </p:pic>
     </p:spTree>
     <p:extLst>
       <p:ext uri="{BB962C8B-B14F-4D97-AF65-F5344CB8AC3E}">
@@ -12207,6 +12236,32 @@
 <file path=ppt/slides/slide8.xml><?xml version="1.0" encoding="utf-8"?>
 <p:sld xmlns:a="http://schemas.openxmlformats.org/drawingml/2006/main" xmlns:r="http://schemas.openxmlformats.org/officeDocument/2006/relationships" xmlns:p="http://schemas.openxmlformats.org/presentationml/2006/main">
   <p:cSld>
+    <p:bg>
+      <p:bgPr>
+        <a:gradFill rotWithShape="1">
+          <a:gsLst>
+            <a:gs pos="0">
+              <a:schemeClr val="bg1">
+                <a:tint val="90000"/>
+                <a:satMod val="92000"/>
+                <a:lumMod val="120000"/>
+              </a:schemeClr>
+            </a:gs>
+            <a:gs pos="100000">
+              <a:schemeClr val="bg1">
+                <a:shade val="98000"/>
+                <a:satMod val="120000"/>
+                <a:lumMod val="98000"/>
+              </a:schemeClr>
+            </a:gs>
+          </a:gsLst>
+          <a:path path="circle">
+            <a:fillToRect l="50000" t="50000" r="100000" b="100000"/>
+          </a:path>
+        </a:gradFill>
+        <a:effectLst/>
+      </p:bgPr>
+    </p:bg>
     <p:spTree>
       <p:nvGrpSpPr>
         <p:cNvPr id="1" name=""/>
@@ -12221,6 +12276,165 @@
           <a:chExt cx="0" cy="0"/>
         </a:xfrm>
       </p:grpSpPr>
+      <p:sp useBgFill="1">
+        <p:nvSpPr>
+          <p:cNvPr id="71" name="Rectangle 70">
+            <a:extLst>
+              <a:ext uri="{FF2B5EF4-FFF2-40B4-BE49-F238E27FC236}">
+                <a16:creationId xmlns:a16="http://schemas.microsoft.com/office/drawing/2014/main" id="{E9D11FD5-487C-4A6B-836F-3831DC830FB7}"/>
+              </a:ext>
+              <a:ext uri="{C183D7F6-B498-43B3-948B-1728B52AA6E4}">
+                <adec:decorative xmlns:adec="http://schemas.microsoft.com/office/drawing/2017/decorative" val="1"/>
+              </a:ext>
+            </a:extLst>
+          </p:cNvPr>
+          <p:cNvSpPr>
+            <a:spLocks noGrp="1" noRot="1" noChangeAspect="1" noMove="1" noResize="1" noEditPoints="1" noAdjustHandles="1" noChangeArrowheads="1" noChangeShapeType="1" noTextEdit="1"/>
+          </p:cNvSpPr>
+          <p:nvPr>
+            <p:extLst>
+              <p:ext uri="{386F3935-93C4-4BCD-93E2-E3B085C9AB24}">
+                <p16:designElem xmlns:p16="http://schemas.microsoft.com/office/powerpoint/2015/main" val="1"/>
+              </p:ext>
+            </p:extLst>
+          </p:nvPr>
+        </p:nvSpPr>
+        <p:spPr>
+          <a:xfrm>
+            <a:off x="0" y="-1"/>
+            <a:ext cx="12188952" cy="6858001"/>
+          </a:xfrm>
+          <a:prstGeom prst="rect">
+            <a:avLst/>
+          </a:prstGeom>
+          <a:ln>
+            <a:noFill/>
+          </a:ln>
+        </p:spPr>
+        <p:style>
+          <a:lnRef idx="2">
+            <a:schemeClr val="accent1">
+              <a:shade val="50000"/>
+            </a:schemeClr>
+          </a:lnRef>
+          <a:fillRef idx="1">
+            <a:schemeClr val="accent1"/>
+          </a:fillRef>
+          <a:effectRef idx="0">
+            <a:schemeClr val="accent1"/>
+          </a:effectRef>
+          <a:fontRef idx="minor">
+            <a:schemeClr val="lt1"/>
+          </a:fontRef>
+        </p:style>
+        <p:txBody>
+          <a:bodyPr rot="0" spcFirstLastPara="0" vert="horz" wrap="square" lIns="91440" tIns="45720" rIns="91440" bIns="45720" numCol="1" spcCol="0" rtlCol="0" fromWordArt="0" anchor="ctr" anchorCtr="0" forceAA="0" compatLnSpc="1">
+            <a:prstTxWarp prst="textNoShape">
+              <a:avLst/>
+            </a:prstTxWarp>
+            <a:noAutofit/>
+          </a:bodyPr>
+          <a:lstStyle>
+            <a:defPPr>
+              <a:defRPr lang="en-US"/>
+            </a:defPPr>
+            <a:lvl1pPr marL="0" algn="l" defTabSz="914400" rtl="0" eaLnBrk="1" latinLnBrk="0" hangingPunct="1">
+              <a:defRPr sz="1800" kern="1200">
+                <a:solidFill>
+                  <a:schemeClr val="lt1"/>
+                </a:solidFill>
+                <a:latin typeface="+mn-lt"/>
+                <a:ea typeface="+mn-ea"/>
+                <a:cs typeface="+mn-cs"/>
+              </a:defRPr>
+            </a:lvl1pPr>
+            <a:lvl2pPr marL="457200" algn="l" defTabSz="914400" rtl="0" eaLnBrk="1" latinLnBrk="0" hangingPunct="1">
+              <a:defRPr sz="1800" kern="1200">
+                <a:solidFill>
+                  <a:schemeClr val="lt1"/>
+                </a:solidFill>
+                <a:latin typeface="+mn-lt"/>
+                <a:ea typeface="+mn-ea"/>
+                <a:cs typeface="+mn-cs"/>
+              </a:defRPr>
+            </a:lvl2pPr>
+            <a:lvl3pPr marL="914400" algn="l" defTabSz="914400" rtl="0" eaLnBrk="1" latinLnBrk="0" hangingPunct="1">
+              <a:defRPr sz="1800" kern="1200">
+                <a:solidFill>
+                  <a:schemeClr val="lt1"/>
+                </a:solidFill>
+                <a:latin typeface="+mn-lt"/>
+                <a:ea typeface="+mn-ea"/>
+                <a:cs typeface="+mn-cs"/>
+              </a:defRPr>
+            </a:lvl3pPr>
+            <a:lvl4pPr marL="1371600" algn="l" defTabSz="914400" rtl="0" eaLnBrk="1" latinLnBrk="0" hangingPunct="1">
+              <a:defRPr sz="1800" kern="1200">
+                <a:solidFill>
+                  <a:schemeClr val="lt1"/>
+                </a:solidFill>
+                <a:latin typeface="+mn-lt"/>
+                <a:ea typeface="+mn-ea"/>
+                <a:cs typeface="+mn-cs"/>
+              </a:defRPr>
+            </a:lvl4pPr>
+            <a:lvl5pPr marL="1828800" algn="l" defTabSz="914400" rtl="0" eaLnBrk="1" latinLnBrk="0" hangingPunct="1">
+              <a:defRPr sz="1800" kern="1200">
+                <a:solidFill>
+                  <a:schemeClr val="lt1"/>
+                </a:solidFill>
+                <a:latin typeface="+mn-lt"/>
+                <a:ea typeface="+mn-ea"/>
+                <a:cs typeface="+mn-cs"/>
+              </a:defRPr>
+            </a:lvl5pPr>
+            <a:lvl6pPr marL="2286000" algn="l" defTabSz="914400" rtl="0" eaLnBrk="1" latinLnBrk="0" hangingPunct="1">
+              <a:defRPr sz="1800" kern="1200">
+                <a:solidFill>
+                  <a:schemeClr val="lt1"/>
+                </a:solidFill>
+                <a:latin typeface="+mn-lt"/>
+                <a:ea typeface="+mn-ea"/>
+                <a:cs typeface="+mn-cs"/>
+              </a:defRPr>
+            </a:lvl6pPr>
+            <a:lvl7pPr marL="2743200" algn="l" defTabSz="914400" rtl="0" eaLnBrk="1" latinLnBrk="0" hangingPunct="1">
+              <a:defRPr sz="1800" kern="1200">
+                <a:solidFill>
+                  <a:schemeClr val="lt1"/>
+                </a:solidFill>
+                <a:latin typeface="+mn-lt"/>
+                <a:ea typeface="+mn-ea"/>
+                <a:cs typeface="+mn-cs"/>
+              </a:defRPr>
+            </a:lvl7pPr>
+            <a:lvl8pPr marL="3200400" algn="l" defTabSz="914400" rtl="0" eaLnBrk="1" latinLnBrk="0" hangingPunct="1">
+              <a:defRPr sz="1800" kern="1200">
+                <a:solidFill>
+                  <a:schemeClr val="lt1"/>
+                </a:solidFill>
+                <a:latin typeface="+mn-lt"/>
+                <a:ea typeface="+mn-ea"/>
+                <a:cs typeface="+mn-cs"/>
+              </a:defRPr>
+            </a:lvl8pPr>
+            <a:lvl9pPr marL="3657600" algn="l" defTabSz="914400" rtl="0" eaLnBrk="1" latinLnBrk="0" hangingPunct="1">
+              <a:defRPr sz="1800" kern="1200">
+                <a:solidFill>
+                  <a:schemeClr val="lt1"/>
+                </a:solidFill>
+                <a:latin typeface="+mn-lt"/>
+                <a:ea typeface="+mn-ea"/>
+                <a:cs typeface="+mn-cs"/>
+              </a:defRPr>
+            </a:lvl9pPr>
+          </a:lstStyle>
+          <a:p>
+            <a:pPr algn="ctr"/>
+            <a:endParaRPr lang="en-US"/>
+          </a:p>
+        </p:txBody>
+      </p:sp>
       <p:sp>
         <p:nvSpPr>
           <p:cNvPr id="2" name="Title 1">
@@ -12237,17 +12451,83 @@
             <p:ph type="title"/>
           </p:nvPr>
         </p:nvSpPr>
-        <p:spPr/>
-        <p:txBody>
-          <a:bodyPr/>
+        <p:spPr>
+          <a:xfrm>
+            <a:off x="649224" y="645106"/>
+            <a:ext cx="3650279" cy="1259894"/>
+          </a:xfrm>
+        </p:spPr>
+        <p:txBody>
+          <a:bodyPr>
+            <a:normAutofit/>
+          </a:bodyPr>
           <a:lstStyle/>
           <a:p>
-            <a:r>
-              <a:rPr lang="en-US" dirty="0"/>
+            <a:pPr>
+              <a:lnSpc>
+                <a:spcPct val="90000"/>
+              </a:lnSpc>
+            </a:pPr>
+            <a:r>
+              <a:rPr lang="en-US" sz="3100"/>
               <a:t>Brewer-Nash (Chinese Firewall)</a:t>
             </a:r>
           </a:p>
         </p:txBody>
+      </p:sp>
+      <p:sp>
+        <p:nvSpPr>
+          <p:cNvPr id="73" name="Rectangle 72">
+            <a:extLst>
+              <a:ext uri="{FF2B5EF4-FFF2-40B4-BE49-F238E27FC236}">
+                <a16:creationId xmlns:a16="http://schemas.microsoft.com/office/drawing/2014/main" id="{99765169-F70D-4841-BE65-62E10CBED84D}"/>
+              </a:ext>
+              <a:ext uri="{C183D7F6-B498-43B3-948B-1728B52AA6E4}">
+                <adec:decorative xmlns:adec="http://schemas.microsoft.com/office/drawing/2017/decorative" val="1"/>
+              </a:ext>
+            </a:extLst>
+          </p:cNvPr>
+          <p:cNvSpPr>
+            <a:spLocks noGrp="1" noRot="1" noChangeAspect="1" noMove="1" noResize="1" noEditPoints="1" noAdjustHandles="1" noChangeArrowheads="1" noChangeShapeType="1" noTextEdit="1"/>
+          </p:cNvSpPr>
+          <p:nvPr>
+            <p:extLst>
+              <p:ext uri="{386F3935-93C4-4BCD-93E2-E3B085C9AB24}">
+                <p16:designElem xmlns:p16="http://schemas.microsoft.com/office/powerpoint/2015/main" val="1"/>
+              </p:ext>
+            </p:extLst>
+          </p:nvPr>
+        </p:nvSpPr>
+        <p:spPr>
+          <a:xfrm>
+            <a:off x="0" y="0"/>
+            <a:ext cx="182880" cy="6858000"/>
+          </a:xfrm>
+          <a:prstGeom prst="rect">
+            <a:avLst/>
+          </a:prstGeom>
+          <a:solidFill>
+            <a:schemeClr val="tx2"/>
+          </a:solidFill>
+          <a:ln>
+            <a:noFill/>
+          </a:ln>
+          <a:effectLst/>
+        </p:spPr>
+        <p:style>
+          <a:lnRef idx="1">
+            <a:schemeClr val="accent1"/>
+          </a:lnRef>
+          <a:fillRef idx="3">
+            <a:schemeClr val="accent1"/>
+          </a:fillRef>
+          <a:effectRef idx="2">
+            <a:schemeClr val="accent1"/>
+          </a:effectRef>
+          <a:fontRef idx="minor">
+            <a:schemeClr val="lt1"/>
+          </a:fontRef>
+        </p:style>
       </p:sp>
       <p:sp>
         <p:nvSpPr>
@@ -12265,9 +12545,16 @@
             <p:ph idx="1"/>
           </p:nvPr>
         </p:nvSpPr>
-        <p:spPr/>
-        <p:txBody>
-          <a:bodyPr/>
+        <p:spPr>
+          <a:xfrm>
+            <a:off x="649225" y="2133600"/>
+            <a:ext cx="3650278" cy="3759253"/>
+          </a:xfrm>
+        </p:spPr>
+        <p:txBody>
+          <a:bodyPr>
+            <a:normAutofit/>
+          </a:bodyPr>
           <a:lstStyle/>
           <a:p>
             <a:r>
@@ -12301,6 +12588,269 @@
               <a:rPr lang="en-US" dirty="0"/>
               <a:t>Quota systems (check-out any single machine)</a:t>
             </a:r>
+          </a:p>
+        </p:txBody>
+      </p:sp>
+      <p:pic>
+        <p:nvPicPr>
+          <p:cNvPr id="3074" name="Picture 2" descr="A close up of a logo&#10;&#10;Description automatically generated">
+            <a:extLst>
+              <a:ext uri="{FF2B5EF4-FFF2-40B4-BE49-F238E27FC236}">
+                <a16:creationId xmlns:a16="http://schemas.microsoft.com/office/drawing/2014/main" id="{9C5B7361-6EB9-47E3-A541-677F3F00A7AF}"/>
+              </a:ext>
+            </a:extLst>
+          </p:cNvPr>
+          <p:cNvPicPr>
+            <a:picLocks noChangeAspect="1" noChangeArrowheads="1"/>
+          </p:cNvPicPr>
+          <p:nvPr/>
+        </p:nvPicPr>
+        <p:blipFill>
+          <a:blip r:embed="rId3">
+            <a:extLst>
+              <a:ext uri="{28A0092B-C50C-407E-A947-70E740481C1C}">
+                <a14:useLocalDpi xmlns:a14="http://schemas.microsoft.com/office/drawing/2010/main" val="0"/>
+              </a:ext>
+            </a:extLst>
+          </a:blip>
+          <a:stretch>
+            <a:fillRect/>
+          </a:stretch>
+        </p:blipFill>
+        <p:spPr bwMode="auto">
+          <a:xfrm>
+            <a:off x="4619543" y="1814907"/>
+            <a:ext cx="6953577" cy="2903118"/>
+          </a:xfrm>
+          <a:prstGeom prst="rect">
+            <a:avLst/>
+          </a:prstGeom>
+          <a:noFill/>
+          <a:extLst>
+            <a:ext uri="{909E8E84-426E-40DD-AFC4-6F175D3DCCD1}">
+              <a14:hiddenFill xmlns:a14="http://schemas.microsoft.com/office/drawing/2010/main">
+                <a:solidFill>
+                  <a:srgbClr val="FFFFFF"/>
+                </a:solidFill>
+              </a14:hiddenFill>
+            </a:ext>
+          </a:extLst>
+        </p:spPr>
+      </p:pic>
+      <p:sp>
+        <p:nvSpPr>
+          <p:cNvPr id="75" name="Freeform 14">
+            <a:extLst>
+              <a:ext uri="{FF2B5EF4-FFF2-40B4-BE49-F238E27FC236}">
+                <a16:creationId xmlns:a16="http://schemas.microsoft.com/office/drawing/2014/main" id="{2A2CC818-8106-45C0-93D5-7051F99F2C81}"/>
+              </a:ext>
+              <a:ext uri="{C183D7F6-B498-43B3-948B-1728B52AA6E4}">
+                <adec:decorative xmlns:adec="http://schemas.microsoft.com/office/drawing/2017/decorative" val="1"/>
+              </a:ext>
+            </a:extLst>
+          </p:cNvPr>
+          <p:cNvSpPr>
+            <a:spLocks noGrp="1" noRot="1" noChangeAspect="1" noMove="1" noResize="1" noEditPoints="1" noAdjustHandles="1" noChangeArrowheads="1" noChangeShapeType="1" noTextEdit="1"/>
+          </p:cNvSpPr>
+          <p:nvPr>
+            <p:extLst>
+              <p:ext uri="{386F3935-93C4-4BCD-93E2-E3B085C9AB24}">
+                <p16:designElem xmlns:p16="http://schemas.microsoft.com/office/powerpoint/2015/main" val="1"/>
+              </p:ext>
+            </p:extLst>
+          </p:nvPr>
+        </p:nvSpPr>
+        <p:spPr>
+          <a:xfrm>
+            <a:off x="-1" y="6061223"/>
+            <a:ext cx="1038036" cy="506277"/>
+          </a:xfrm>
+          <a:custGeom>
+            <a:avLst/>
+            <a:gdLst>
+              <a:gd name="connsiteX0" fmla="*/ 0 w 1038036"/>
+              <a:gd name="connsiteY0" fmla="*/ 0 h 506277"/>
+              <a:gd name="connsiteX1" fmla="*/ 182880 w 1038036"/>
+              <a:gd name="connsiteY1" fmla="*/ 0 h 506277"/>
+              <a:gd name="connsiteX2" fmla="*/ 291705 w 1038036"/>
+              <a:gd name="connsiteY2" fmla="*/ 0 h 506277"/>
+              <a:gd name="connsiteX3" fmla="*/ 291705 w 1038036"/>
+              <a:gd name="connsiteY3" fmla="*/ 151 h 506277"/>
+              <a:gd name="connsiteX4" fmla="*/ 692049 w 1038036"/>
+              <a:gd name="connsiteY4" fmla="*/ 705 h 506277"/>
+              <a:gd name="connsiteX5" fmla="*/ 782744 w 1038036"/>
+              <a:gd name="connsiteY5" fmla="*/ 705 h 506277"/>
+              <a:gd name="connsiteX6" fmla="*/ 797001 w 1038036"/>
+              <a:gd name="connsiteY6" fmla="*/ 5473 h 506277"/>
+              <a:gd name="connsiteX7" fmla="*/ 801982 w 1038036"/>
+              <a:gd name="connsiteY7" fmla="*/ 10242 h 506277"/>
+              <a:gd name="connsiteX8" fmla="*/ 1030951 w 1038036"/>
+              <a:gd name="connsiteY8" fmla="*/ 239185 h 506277"/>
+              <a:gd name="connsiteX9" fmla="*/ 1030951 w 1038036"/>
+              <a:gd name="connsiteY9" fmla="*/ 267797 h 506277"/>
+              <a:gd name="connsiteX10" fmla="*/ 801982 w 1038036"/>
+              <a:gd name="connsiteY10" fmla="*/ 496740 h 506277"/>
+              <a:gd name="connsiteX11" fmla="*/ 797001 w 1038036"/>
+              <a:gd name="connsiteY11" fmla="*/ 501508 h 506277"/>
+              <a:gd name="connsiteX12" fmla="*/ 782744 w 1038036"/>
+              <a:gd name="connsiteY12" fmla="*/ 506277 h 506277"/>
+              <a:gd name="connsiteX13" fmla="*/ 692049 w 1038036"/>
+              <a:gd name="connsiteY13" fmla="*/ 506277 h 506277"/>
+              <a:gd name="connsiteX14" fmla="*/ 291705 w 1038036"/>
+              <a:gd name="connsiteY14" fmla="*/ 505140 h 506277"/>
+              <a:gd name="connsiteX15" fmla="*/ 291705 w 1038036"/>
+              <a:gd name="connsiteY15" fmla="*/ 506277 h 506277"/>
+              <a:gd name="connsiteX16" fmla="*/ 0 w 1038036"/>
+              <a:gd name="connsiteY16" fmla="*/ 506277 h 506277"/>
+            </a:gdLst>
+            <a:ahLst/>
+            <a:cxnLst>
+              <a:cxn ang="0">
+                <a:pos x="connsiteX0" y="connsiteY0"/>
+              </a:cxn>
+              <a:cxn ang="0">
+                <a:pos x="connsiteX1" y="connsiteY1"/>
+              </a:cxn>
+              <a:cxn ang="0">
+                <a:pos x="connsiteX2" y="connsiteY2"/>
+              </a:cxn>
+              <a:cxn ang="0">
+                <a:pos x="connsiteX3" y="connsiteY3"/>
+              </a:cxn>
+              <a:cxn ang="0">
+                <a:pos x="connsiteX4" y="connsiteY4"/>
+              </a:cxn>
+              <a:cxn ang="0">
+                <a:pos x="connsiteX5" y="connsiteY5"/>
+              </a:cxn>
+              <a:cxn ang="0">
+                <a:pos x="connsiteX6" y="connsiteY6"/>
+              </a:cxn>
+              <a:cxn ang="0">
+                <a:pos x="connsiteX7" y="connsiteY7"/>
+              </a:cxn>
+              <a:cxn ang="0">
+                <a:pos x="connsiteX8" y="connsiteY8"/>
+              </a:cxn>
+              <a:cxn ang="0">
+                <a:pos x="connsiteX9" y="connsiteY9"/>
+              </a:cxn>
+              <a:cxn ang="0">
+                <a:pos x="connsiteX10" y="connsiteY10"/>
+              </a:cxn>
+              <a:cxn ang="0">
+                <a:pos x="connsiteX11" y="connsiteY11"/>
+              </a:cxn>
+              <a:cxn ang="0">
+                <a:pos x="connsiteX12" y="connsiteY12"/>
+              </a:cxn>
+              <a:cxn ang="0">
+                <a:pos x="connsiteX13" y="connsiteY13"/>
+              </a:cxn>
+              <a:cxn ang="0">
+                <a:pos x="connsiteX14" y="connsiteY14"/>
+              </a:cxn>
+              <a:cxn ang="0">
+                <a:pos x="connsiteX15" y="connsiteY15"/>
+              </a:cxn>
+              <a:cxn ang="0">
+                <a:pos x="connsiteX16" y="connsiteY16"/>
+              </a:cxn>
+            </a:cxnLst>
+            <a:rect l="l" t="t" r="r" b="b"/>
+            <a:pathLst>
+              <a:path w="1038036" h="506277">
+                <a:moveTo>
+                  <a:pt x="0" y="0"/>
+                </a:moveTo>
+                <a:lnTo>
+                  <a:pt x="182880" y="0"/>
+                </a:lnTo>
+                <a:lnTo>
+                  <a:pt x="291705" y="0"/>
+                </a:lnTo>
+                <a:lnTo>
+                  <a:pt x="291705" y="151"/>
+                </a:lnTo>
+                <a:lnTo>
+                  <a:pt x="692049" y="705"/>
+                </a:lnTo>
+                <a:lnTo>
+                  <a:pt x="782744" y="705"/>
+                </a:lnTo>
+                <a:cubicBezTo>
+                  <a:pt x="787553" y="705"/>
+                  <a:pt x="792363" y="5473"/>
+                  <a:pt x="797001" y="5473"/>
+                </a:cubicBezTo>
+                <a:cubicBezTo>
+                  <a:pt x="797001" y="10242"/>
+                  <a:pt x="801982" y="10242"/>
+                  <a:pt x="801982" y="10242"/>
+                </a:cubicBezTo>
+                <a:lnTo>
+                  <a:pt x="1030951" y="239185"/>
+                </a:lnTo>
+                <a:cubicBezTo>
+                  <a:pt x="1040398" y="248722"/>
+                  <a:pt x="1040398" y="258259"/>
+                  <a:pt x="1030951" y="267797"/>
+                </a:cubicBezTo>
+                <a:lnTo>
+                  <a:pt x="801982" y="496740"/>
+                </a:lnTo>
+                <a:cubicBezTo>
+                  <a:pt x="800436" y="498363"/>
+                  <a:pt x="798547" y="499885"/>
+                  <a:pt x="797001" y="501508"/>
+                </a:cubicBezTo>
+                <a:cubicBezTo>
+                  <a:pt x="792363" y="506277"/>
+                  <a:pt x="787553" y="506277"/>
+                  <a:pt x="782744" y="506277"/>
+                </a:cubicBezTo>
+                <a:lnTo>
+                  <a:pt x="692049" y="506277"/>
+                </a:lnTo>
+                <a:lnTo>
+                  <a:pt x="291705" y="505140"/>
+                </a:lnTo>
+                <a:lnTo>
+                  <a:pt x="291705" y="506277"/>
+                </a:lnTo>
+                <a:lnTo>
+                  <a:pt x="0" y="506277"/>
+                </a:lnTo>
+                <a:close/>
+              </a:path>
+            </a:pathLst>
+          </a:custGeom>
+          <a:ln>
+            <a:noFill/>
+          </a:ln>
+        </p:spPr>
+        <p:style>
+          <a:lnRef idx="2">
+            <a:schemeClr val="accent1">
+              <a:shade val="50000"/>
+            </a:schemeClr>
+          </a:lnRef>
+          <a:fillRef idx="1">
+            <a:schemeClr val="accent1"/>
+          </a:fillRef>
+          <a:effectRef idx="0">
+            <a:schemeClr val="accent1"/>
+          </a:effectRef>
+          <a:fontRef idx="minor">
+            <a:schemeClr val="lt1"/>
+          </a:fontRef>
+        </p:style>
+        <p:txBody>
+          <a:bodyPr rtlCol="0" anchor="ctr"/>
+          <a:lstStyle/>
+          <a:p>
+            <a:pPr algn="ctr"/>
+            <a:endParaRPr lang="en-US"/>
           </a:p>
         </p:txBody>
       </p:sp>
